--- a/北科宿舍學生餐廳.pptx
+++ b/北科宿舍學生餐廳.pptx
@@ -12,7 +12,8 @@
     <p:sldId id="261" r:id="rId6"/>
     <p:sldId id="259" r:id="rId7"/>
     <p:sldId id="263" r:id="rId8"/>
-    <p:sldId id="264" r:id="rId9"/>
+    <p:sldId id="265" r:id="rId9"/>
+    <p:sldId id="264" r:id="rId10"/>
   </p:sldIdLst>
   <p:sldSz cx="9144000" cy="6858000" type="screen4x3"/>
   <p:notesSz cx="6858000" cy="9144000"/>
@@ -321,6 +322,7 @@
           <a:p>
             <a:fld id="{1F928F19-F61E-4B5F-AF0F-9BA55CE530AD}" type="datetimeFigureOut">
               <a:rPr lang="zh-TW" altLang="en-US" smtClean="0"/>
+              <a:pPr/>
               <a:t>2019/4/18</a:t>
             </a:fld>
             <a:endParaRPr lang="zh-TW" altLang="en-US"/>
@@ -360,6 +362,7 @@
           <a:p>
             <a:fld id="{1D32B21A-7E25-47D4-BC91-06118420E5C7}" type="slidenum">
               <a:rPr lang="zh-TW" altLang="en-US" smtClean="0"/>
+              <a:pPr/>
               <a:t>‹#›</a:t>
             </a:fld>
             <a:endParaRPr lang="zh-TW" altLang="en-US"/>
@@ -515,6 +518,7 @@
           <a:p>
             <a:fld id="{1F928F19-F61E-4B5F-AF0F-9BA55CE530AD}" type="datetimeFigureOut">
               <a:rPr lang="zh-TW" altLang="en-US" smtClean="0"/>
+              <a:pPr/>
               <a:t>2019/4/18</a:t>
             </a:fld>
             <a:endParaRPr lang="zh-TW" altLang="en-US"/>
@@ -561,6 +565,7 @@
           <a:p>
             <a:fld id="{1D32B21A-7E25-47D4-BC91-06118420E5C7}" type="slidenum">
               <a:rPr lang="zh-TW" altLang="en-US" smtClean="0"/>
+              <a:pPr/>
               <a:t>‹#›</a:t>
             </a:fld>
             <a:endParaRPr lang="zh-TW" altLang="en-US"/>
@@ -703,6 +708,7 @@
           <a:p>
             <a:fld id="{1F928F19-F61E-4B5F-AF0F-9BA55CE530AD}" type="datetimeFigureOut">
               <a:rPr lang="zh-TW" altLang="en-US" smtClean="0"/>
+              <a:pPr/>
               <a:t>2019/4/18</a:t>
             </a:fld>
             <a:endParaRPr lang="zh-TW" altLang="en-US"/>
@@ -749,6 +755,7 @@
           <a:p>
             <a:fld id="{1D32B21A-7E25-47D4-BC91-06118420E5C7}" type="slidenum">
               <a:rPr lang="zh-TW" altLang="en-US" smtClean="0"/>
+              <a:pPr/>
               <a:t>‹#›</a:t>
             </a:fld>
             <a:endParaRPr lang="zh-TW" altLang="en-US"/>
@@ -932,6 +939,7 @@
           <a:p>
             <a:fld id="{1F928F19-F61E-4B5F-AF0F-9BA55CE530AD}" type="datetimeFigureOut">
               <a:rPr lang="zh-TW" altLang="en-US" smtClean="0"/>
+              <a:pPr/>
               <a:t>2019/4/18</a:t>
             </a:fld>
             <a:endParaRPr lang="zh-TW" altLang="en-US"/>
@@ -978,6 +986,7 @@
           <a:p>
             <a:fld id="{1D32B21A-7E25-47D4-BC91-06118420E5C7}" type="slidenum">
               <a:rPr lang="zh-TW" altLang="en-US" smtClean="0"/>
+              <a:pPr/>
               <a:t>‹#›</a:t>
             </a:fld>
             <a:endParaRPr lang="zh-TW" altLang="en-US"/>
@@ -1213,6 +1222,7 @@
           <a:p>
             <a:fld id="{1F928F19-F61E-4B5F-AF0F-9BA55CE530AD}" type="datetimeFigureOut">
               <a:rPr lang="zh-TW" altLang="en-US" smtClean="0"/>
+              <a:pPr/>
               <a:t>2019/4/18</a:t>
             </a:fld>
             <a:endParaRPr lang="zh-TW" altLang="en-US"/>
@@ -1252,6 +1262,7 @@
           <a:p>
             <a:fld id="{1D32B21A-7E25-47D4-BC91-06118420E5C7}" type="slidenum">
               <a:rPr lang="zh-TW" altLang="en-US" smtClean="0"/>
+              <a:pPr/>
               <a:t>‹#›</a:t>
             </a:fld>
             <a:endParaRPr lang="zh-TW" altLang="en-US"/>
@@ -1501,6 +1512,7 @@
           <a:p>
             <a:fld id="{1F928F19-F61E-4B5F-AF0F-9BA55CE530AD}" type="datetimeFigureOut">
               <a:rPr lang="zh-TW" altLang="en-US" smtClean="0"/>
+              <a:pPr/>
               <a:t>2019/4/18</a:t>
             </a:fld>
             <a:endParaRPr lang="zh-TW" altLang="en-US"/>
@@ -1552,6 +1564,7 @@
           <a:p>
             <a:fld id="{1D32B21A-7E25-47D4-BC91-06118420E5C7}" type="slidenum">
               <a:rPr lang="zh-TW" altLang="en-US" smtClean="0"/>
+              <a:pPr/>
               <a:t>‹#›</a:t>
             </a:fld>
             <a:endParaRPr lang="zh-TW" altLang="en-US"/>
@@ -2055,6 +2068,7 @@
           <a:p>
             <a:fld id="{1F928F19-F61E-4B5F-AF0F-9BA55CE530AD}" type="datetimeFigureOut">
               <a:rPr lang="zh-TW" altLang="en-US" smtClean="0"/>
+              <a:pPr/>
               <a:t>2019/4/18</a:t>
             </a:fld>
             <a:endParaRPr lang="zh-TW" altLang="en-US"/>
@@ -2106,6 +2120,7 @@
           <a:p>
             <a:fld id="{1D32B21A-7E25-47D4-BC91-06118420E5C7}" type="slidenum">
               <a:rPr lang="zh-TW" altLang="en-US" smtClean="0"/>
+              <a:pPr/>
               <a:t>‹#›</a:t>
             </a:fld>
             <a:endParaRPr lang="zh-TW" altLang="en-US"/>
@@ -2186,6 +2201,7 @@
           <a:p>
             <a:fld id="{1F928F19-F61E-4B5F-AF0F-9BA55CE530AD}" type="datetimeFigureOut">
               <a:rPr lang="zh-TW" altLang="en-US" smtClean="0"/>
+              <a:pPr/>
               <a:t>2019/4/18</a:t>
             </a:fld>
             <a:endParaRPr lang="zh-TW" altLang="en-US"/>
@@ -2232,6 +2248,7 @@
           <a:p>
             <a:fld id="{1D32B21A-7E25-47D4-BC91-06118420E5C7}" type="slidenum">
               <a:rPr lang="zh-TW" altLang="en-US" smtClean="0"/>
+              <a:pPr/>
               <a:t>‹#›</a:t>
             </a:fld>
             <a:endParaRPr lang="zh-TW" altLang="en-US"/>
@@ -2336,6 +2353,7 @@
           <a:p>
             <a:fld id="{1F928F19-F61E-4B5F-AF0F-9BA55CE530AD}" type="datetimeFigureOut">
               <a:rPr lang="zh-TW" altLang="en-US" smtClean="0"/>
+              <a:pPr/>
               <a:t>2019/4/18</a:t>
             </a:fld>
             <a:endParaRPr lang="zh-TW" altLang="en-US"/>
@@ -2382,6 +2400,7 @@
           <a:p>
             <a:fld id="{1D32B21A-7E25-47D4-BC91-06118420E5C7}" type="slidenum">
               <a:rPr lang="zh-TW" altLang="en-US" smtClean="0"/>
+              <a:pPr/>
               <a:t>‹#›</a:t>
             </a:fld>
             <a:endParaRPr lang="zh-TW" altLang="en-US"/>
@@ -2657,6 +2676,7 @@
           <a:p>
             <a:fld id="{1F928F19-F61E-4B5F-AF0F-9BA55CE530AD}" type="datetimeFigureOut">
               <a:rPr lang="zh-TW" altLang="en-US" smtClean="0"/>
+              <a:pPr/>
               <a:t>2019/4/18</a:t>
             </a:fld>
             <a:endParaRPr lang="zh-TW" altLang="en-US"/>
@@ -2696,6 +2716,7 @@
           <a:p>
             <a:fld id="{1D32B21A-7E25-47D4-BC91-06118420E5C7}" type="slidenum">
               <a:rPr lang="zh-TW" altLang="en-US" smtClean="0"/>
+              <a:pPr/>
               <a:t>‹#›</a:t>
             </a:fld>
             <a:endParaRPr lang="zh-TW" altLang="en-US"/>
@@ -2954,6 +2975,7 @@
           <a:p>
             <a:fld id="{1F928F19-F61E-4B5F-AF0F-9BA55CE530AD}" type="datetimeFigureOut">
               <a:rPr lang="zh-TW" altLang="en-US" smtClean="0"/>
+              <a:pPr/>
               <a:t>2019/4/18</a:t>
             </a:fld>
             <a:endParaRPr lang="zh-TW" altLang="en-US"/>
@@ -2993,6 +3015,7 @@
           <a:p>
             <a:fld id="{1D32B21A-7E25-47D4-BC91-06118420E5C7}" type="slidenum">
               <a:rPr lang="zh-TW" altLang="en-US" smtClean="0"/>
+              <a:pPr/>
               <a:t>‹#›</a:t>
             </a:fld>
             <a:endParaRPr lang="zh-TW" altLang="en-US"/>
@@ -3199,6 +3222,7 @@
           <a:p>
             <a:fld id="{1F928F19-F61E-4B5F-AF0F-9BA55CE530AD}" type="datetimeFigureOut">
               <a:rPr lang="zh-TW" altLang="en-US" smtClean="0"/>
+              <a:pPr/>
               <a:t>2019/4/18</a:t>
             </a:fld>
             <a:endParaRPr lang="zh-TW" altLang="en-US"/>
@@ -3242,6 +3266,7 @@
           <a:p>
             <a:fld id="{1D32B21A-7E25-47D4-BC91-06118420E5C7}" type="slidenum">
               <a:rPr lang="zh-TW" altLang="en-US" smtClean="0"/>
+              <a:pPr/>
               <a:t>‹#›</a:t>
             </a:fld>
             <a:endParaRPr lang="zh-TW" altLang="en-US"/>
@@ -4328,6 +4353,215 @@
       </p:grpSpPr>
       <p:sp>
         <p:nvSpPr>
+          <p:cNvPr id="2" name="標題 1"/>
+          <p:cNvSpPr>
+            <a:spLocks noGrp="1"/>
+          </p:cNvSpPr>
+          <p:nvPr>
+            <p:ph type="title"/>
+          </p:nvPr>
+        </p:nvSpPr>
+        <p:spPr/>
+        <p:txBody>
+          <a:bodyPr>
+            <a:normAutofit/>
+          </a:bodyPr>
+          <a:lstStyle/>
+          <a:p>
+            <a:r>
+              <a:rPr lang="zh-TW" altLang="en-US" dirty="0" smtClean="0"/>
+              <a:t>組員</a:t>
+            </a:r>
+            <a:r>
+              <a:rPr lang="zh-TW" altLang="en-US" dirty="0" smtClean="0"/>
+              <a:t>分工</a:t>
+            </a:r>
+            <a:endParaRPr lang="zh-TW" altLang="en-US" dirty="0"/>
+          </a:p>
+        </p:txBody>
+      </p:sp>
+      <p:sp>
+        <p:nvSpPr>
+          <p:cNvPr id="3" name="內容版面配置區 2"/>
+          <p:cNvSpPr>
+            <a:spLocks noGrp="1"/>
+          </p:cNvSpPr>
+          <p:nvPr>
+            <p:ph idx="1"/>
+          </p:nvPr>
+        </p:nvSpPr>
+        <p:spPr>
+          <a:xfrm>
+            <a:off x="457200" y="4000503"/>
+            <a:ext cx="8329642" cy="2172013"/>
+          </a:xfrm>
+        </p:spPr>
+        <p:txBody>
+          <a:bodyPr>
+            <a:normAutofit fontScale="92500" lnSpcReduction="10000"/>
+          </a:bodyPr>
+          <a:lstStyle/>
+          <a:p>
+            <a:r>
+              <a:rPr lang="zh-TW" altLang="en-US" dirty="0" smtClean="0"/>
+              <a:t>網頁撰寫 </a:t>
+            </a:r>
+            <a:r>
+              <a:rPr lang="en-US" altLang="zh-TW" dirty="0" smtClean="0"/>
+              <a:t>:</a:t>
+            </a:r>
+            <a:r>
+              <a:rPr lang="zh-TW" altLang="en-US" dirty="0" smtClean="0"/>
+              <a:t> 陳姵文</a:t>
+            </a:r>
+            <a:r>
+              <a:rPr lang="en-US" altLang="zh-TW" dirty="0" smtClean="0"/>
+              <a:t>(</a:t>
+            </a:r>
+            <a:r>
+              <a:rPr lang="zh-TW" altLang="en-US" dirty="0" smtClean="0"/>
+              <a:t>最新消息</a:t>
+            </a:r>
+            <a:r>
+              <a:rPr lang="zh-TW" altLang="en-US" dirty="0" smtClean="0"/>
+              <a:t>、</a:t>
+            </a:r>
+            <a:r>
+              <a:rPr lang="zh-TW" altLang="en-US" dirty="0" smtClean="0"/>
+              <a:t>首頁、意見箱</a:t>
+            </a:r>
+            <a:r>
+              <a:rPr lang="en-US" altLang="zh-TW" dirty="0" smtClean="0"/>
+              <a:t>)</a:t>
+            </a:r>
+            <a:r>
+              <a:rPr lang="zh-TW" altLang="en-US" dirty="0" smtClean="0"/>
+              <a:t>、吳樂佳</a:t>
+            </a:r>
+            <a:r>
+              <a:rPr lang="en-US" altLang="zh-TW" dirty="0" smtClean="0"/>
+              <a:t>(</a:t>
+            </a:r>
+            <a:r>
+              <a:rPr lang="zh-TW" altLang="en-US" dirty="0" smtClean="0"/>
+              <a:t>餐廳介紹</a:t>
+            </a:r>
+            <a:r>
+              <a:rPr lang="en-US" altLang="zh-TW" dirty="0" smtClean="0"/>
+              <a:t>)</a:t>
+            </a:r>
+          </a:p>
+          <a:p>
+            <a:r>
+              <a:rPr lang="zh-TW" altLang="en-US" dirty="0" smtClean="0"/>
+              <a:t>版面設計 </a:t>
+            </a:r>
+            <a:r>
+              <a:rPr lang="en-US" altLang="zh-TW" dirty="0" smtClean="0"/>
+              <a:t>:</a:t>
+            </a:r>
+            <a:r>
+              <a:rPr lang="zh-TW" altLang="en-US" dirty="0" smtClean="0"/>
+              <a:t> 林孜頤</a:t>
+            </a:r>
+            <a:endParaRPr lang="en-US" altLang="zh-TW" dirty="0" smtClean="0"/>
+          </a:p>
+          <a:p>
+            <a:r>
+              <a:rPr lang="en-US" altLang="zh-TW" dirty="0" smtClean="0"/>
+              <a:t>PPT</a:t>
+            </a:r>
+            <a:r>
+              <a:rPr lang="zh-TW" altLang="en-US" dirty="0" smtClean="0"/>
+              <a:t> </a:t>
+            </a:r>
+            <a:r>
+              <a:rPr lang="en-US" altLang="zh-TW" dirty="0" smtClean="0"/>
+              <a:t>:</a:t>
+            </a:r>
+            <a:r>
+              <a:rPr lang="zh-TW" altLang="en-US" dirty="0" smtClean="0"/>
+              <a:t> 林孜頤</a:t>
+            </a:r>
+            <a:endParaRPr lang="en-US" altLang="zh-TW" dirty="0" smtClean="0"/>
+          </a:p>
+          <a:p>
+            <a:r>
+              <a:rPr lang="zh-TW" altLang="en-US" dirty="0" smtClean="0"/>
+              <a:t>報告</a:t>
+            </a:r>
+            <a:r>
+              <a:rPr lang="en-US" altLang="zh-TW" dirty="0" smtClean="0"/>
+              <a:t>:</a:t>
+            </a:r>
+            <a:r>
+              <a:rPr lang="zh-TW" altLang="en-US" dirty="0" smtClean="0"/>
+              <a:t> 林孜頤、陳姵文</a:t>
+            </a:r>
+            <a:endParaRPr lang="zh-TW" altLang="en-US" dirty="0"/>
+          </a:p>
+        </p:txBody>
+      </p:sp>
+      <p:pic>
+        <p:nvPicPr>
+          <p:cNvPr id="1026" name="Picture 2"/>
+          <p:cNvPicPr>
+            <a:picLocks noChangeAspect="1" noChangeArrowheads="1"/>
+          </p:cNvPicPr>
+          <p:nvPr/>
+        </p:nvPicPr>
+        <p:blipFill>
+          <a:blip r:embed="rId2"/>
+          <a:srcRect l="14824" t="18544" b="39217"/>
+          <a:stretch>
+            <a:fillRect/>
+          </a:stretch>
+        </p:blipFill>
+        <p:spPr bwMode="auto">
+          <a:xfrm>
+            <a:off x="500034" y="1714488"/>
+            <a:ext cx="8143932" cy="2152361"/>
+          </a:xfrm>
+          <a:prstGeom prst="rect">
+            <a:avLst/>
+          </a:prstGeom>
+          <a:noFill/>
+          <a:ln w="9525">
+            <a:noFill/>
+            <a:miter lim="800000"/>
+            <a:headEnd/>
+            <a:tailEnd/>
+          </a:ln>
+          <a:effectLst/>
+        </p:spPr>
+      </p:pic>
+    </p:spTree>
+  </p:cSld>
+  <p:clrMapOvr>
+    <a:masterClrMapping/>
+  </p:clrMapOvr>
+</p:sld>
+</file>
+
+<file path=ppt/slides/slide9.xml><?xml version="1.0" encoding="utf-8"?>
+<p:sld xmlns:a="http://schemas.openxmlformats.org/drawingml/2006/main" xmlns:r="http://schemas.openxmlformats.org/officeDocument/2006/relationships" xmlns:p="http://schemas.openxmlformats.org/presentationml/2006/main">
+  <p:cSld>
+    <p:spTree>
+      <p:nvGrpSpPr>
+        <p:cNvPr id="1" name=""/>
+        <p:cNvGrpSpPr/>
+        <p:nvPr/>
+      </p:nvGrpSpPr>
+      <p:grpSpPr>
+        <a:xfrm>
+          <a:off x="0" y="0"/>
+          <a:ext cx="0" cy="0"/>
+          <a:chOff x="0" y="0"/>
+          <a:chExt cx="0" cy="0"/>
+        </a:xfrm>
+      </p:grpSpPr>
+      <p:sp>
+        <p:nvSpPr>
           <p:cNvPr id="4" name="矩形 3"/>
           <p:cNvSpPr/>
           <p:nvPr/>

--- a/北科宿舍學生餐廳.pptx
+++ b/北科宿舍學生餐廳.pptx
@@ -8,12 +8,13 @@
     <p:sldId id="256" r:id="rId2"/>
     <p:sldId id="257" r:id="rId3"/>
     <p:sldId id="262" r:id="rId4"/>
-    <p:sldId id="258" r:id="rId5"/>
-    <p:sldId id="261" r:id="rId6"/>
-    <p:sldId id="259" r:id="rId7"/>
-    <p:sldId id="263" r:id="rId8"/>
-    <p:sldId id="265" r:id="rId9"/>
-    <p:sldId id="264" r:id="rId10"/>
+    <p:sldId id="266" r:id="rId5"/>
+    <p:sldId id="258" r:id="rId6"/>
+    <p:sldId id="261" r:id="rId7"/>
+    <p:sldId id="259" r:id="rId8"/>
+    <p:sldId id="263" r:id="rId9"/>
+    <p:sldId id="265" r:id="rId10"/>
+    <p:sldId id="264" r:id="rId11"/>
   </p:sldIdLst>
   <p:sldSz cx="9144000" cy="6858000" type="screen4x3"/>
   <p:notesSz cx="6858000" cy="9144000"/>
@@ -3804,6 +3805,61 @@
 </p:sld>
 </file>
 
+<file path=ppt/slides/slide10.xml><?xml version="1.0" encoding="utf-8"?>
+<p:sld xmlns:a="http://schemas.openxmlformats.org/drawingml/2006/main" xmlns:r="http://schemas.openxmlformats.org/officeDocument/2006/relationships" xmlns:p="http://schemas.openxmlformats.org/presentationml/2006/main">
+  <p:cSld>
+    <p:spTree>
+      <p:nvGrpSpPr>
+        <p:cNvPr id="1" name=""/>
+        <p:cNvGrpSpPr/>
+        <p:nvPr/>
+      </p:nvGrpSpPr>
+      <p:grpSpPr>
+        <a:xfrm>
+          <a:off x="0" y="0"/>
+          <a:ext cx="0" cy="0"/>
+          <a:chOff x="0" y="0"/>
+          <a:chExt cx="0" cy="0"/>
+        </a:xfrm>
+      </p:grpSpPr>
+      <p:sp>
+        <p:nvSpPr>
+          <p:cNvPr id="4" name="矩形 3"/>
+          <p:cNvSpPr/>
+          <p:nvPr/>
+        </p:nvSpPr>
+        <p:spPr>
+          <a:xfrm>
+            <a:off x="500034" y="3286124"/>
+            <a:ext cx="8234370" cy="830997"/>
+          </a:xfrm>
+          <a:prstGeom prst="rect">
+            <a:avLst/>
+          </a:prstGeom>
+          <a:noFill/>
+        </p:spPr>
+        <p:txBody>
+          <a:bodyPr wrap="none" lIns="91440" tIns="45720" rIns="91440" bIns="45720">
+            <a:spAutoFit/>
+          </a:bodyPr>
+          <a:lstStyle/>
+          <a:p>
+            <a:r>
+              <a:rPr lang="en-US" altLang="zh-TW" sz="4800" dirty="0" smtClean="0"/>
+              <a:t>Thank you for your listening</a:t>
+            </a:r>
+            <a:endParaRPr lang="zh-TW" altLang="en-US" sz="4800" dirty="0"/>
+          </a:p>
+        </p:txBody>
+      </p:sp>
+    </p:spTree>
+  </p:cSld>
+  <p:clrMapOvr>
+    <a:masterClrMapping/>
+  </p:clrMapOvr>
+</p:sld>
+</file>
+
 <file path=ppt/slides/slide2.xml><?xml version="1.0" encoding="utf-8"?>
 <p:sld xmlns:a="http://schemas.openxmlformats.org/drawingml/2006/main" xmlns:r="http://schemas.openxmlformats.org/officeDocument/2006/relationships" xmlns:p="http://schemas.openxmlformats.org/presentationml/2006/main">
   <p:cSld>
@@ -4006,7 +4062,7 @@
           <a:p>
             <a:r>
               <a:rPr lang="zh-TW" altLang="en-US" dirty="0" smtClean="0"/>
-              <a:t>如何製作圖片幻燈片</a:t>
+              <a:t>設計說明</a:t>
             </a:r>
             <a:endParaRPr lang="zh-TW" altLang="en-US" dirty="0"/>
           </a:p>
@@ -4014,9 +4070,9 @@
       </p:sp>
       <p:pic>
         <p:nvPicPr>
-          <p:cNvPr id="4" name="內容版面配置區 3" descr="PPT1.jpg"/>
+          <p:cNvPr id="1026" name="Picture 2"/>
           <p:cNvPicPr>
-            <a:picLocks noGrp="1" noChangeAspect="1"/>
+            <a:picLocks noGrp="1" noChangeAspect="1" noChangeArrowheads="1"/>
           </p:cNvPicPr>
           <p:nvPr>
             <p:ph idx="1"/>
@@ -4024,17 +4080,224 @@
         </p:nvPicPr>
         <p:blipFill>
           <a:blip r:embed="rId2"/>
+          <a:srcRect l="12078" t="13971" r="14292"/>
           <a:stretch>
             <a:fillRect/>
           </a:stretch>
         </p:blipFill>
-        <p:spPr>
-          <a:xfrm>
-            <a:off x="314535" y="3071810"/>
-            <a:ext cx="8543745" cy="1485109"/>
-          </a:xfrm>
+        <p:spPr bwMode="auto">
+          <a:xfrm>
+            <a:off x="357158" y="1571612"/>
+            <a:ext cx="5440185" cy="3387553"/>
+          </a:xfrm>
+          <a:prstGeom prst="rect">
+            <a:avLst/>
+          </a:prstGeom>
+          <a:noFill/>
+          <a:ln w="9525">
+            <a:noFill/>
+            <a:miter lim="800000"/>
+            <a:headEnd/>
+            <a:tailEnd/>
+          </a:ln>
+          <a:effectLst/>
         </p:spPr>
       </p:pic>
+      <p:pic>
+        <p:nvPicPr>
+          <p:cNvPr id="6" name="圖片 5" descr="color1.png"/>
+          <p:cNvPicPr>
+            <a:picLocks noChangeAspect="1"/>
+          </p:cNvPicPr>
+          <p:nvPr/>
+        </p:nvPicPr>
+        <p:blipFill>
+          <a:blip r:embed="rId3"/>
+          <a:stretch>
+            <a:fillRect/>
+          </a:stretch>
+        </p:blipFill>
+        <p:spPr>
+          <a:xfrm>
+            <a:off x="5857884" y="1714488"/>
+            <a:ext cx="733810" cy="1222076"/>
+          </a:xfrm>
+          <a:prstGeom prst="rect">
+            <a:avLst/>
+          </a:prstGeom>
+        </p:spPr>
+      </p:pic>
+      <p:pic>
+        <p:nvPicPr>
+          <p:cNvPr id="7" name="圖片 6" descr="color2.png"/>
+          <p:cNvPicPr>
+            <a:picLocks noChangeAspect="1"/>
+          </p:cNvPicPr>
+          <p:nvPr/>
+        </p:nvPicPr>
+        <p:blipFill>
+          <a:blip r:embed="rId4"/>
+          <a:stretch>
+            <a:fillRect/>
+          </a:stretch>
+        </p:blipFill>
+        <p:spPr>
+          <a:xfrm flipH="1">
+            <a:off x="5857884" y="3071810"/>
+            <a:ext cx="714380" cy="1318031"/>
+          </a:xfrm>
+          <a:prstGeom prst="rect">
+            <a:avLst/>
+          </a:prstGeom>
+        </p:spPr>
+      </p:pic>
+      <p:sp>
+        <p:nvSpPr>
+          <p:cNvPr id="8" name="文字方塊 7"/>
+          <p:cNvSpPr txBox="1"/>
+          <p:nvPr/>
+        </p:nvSpPr>
+        <p:spPr>
+          <a:xfrm>
+            <a:off x="6643702" y="1785926"/>
+            <a:ext cx="2143108" cy="1015663"/>
+          </a:xfrm>
+          <a:prstGeom prst="rect">
+            <a:avLst/>
+          </a:prstGeom>
+          <a:noFill/>
+        </p:spPr>
+        <p:txBody>
+          <a:bodyPr wrap="square" rtlCol="0">
+            <a:spAutoFit/>
+          </a:bodyPr>
+          <a:lstStyle/>
+          <a:p>
+            <a:r>
+              <a:rPr lang="en-US" altLang="zh-TW" sz="2000" b="1" dirty="0" smtClean="0"/>
+              <a:t>R(0)G(0)B(0)</a:t>
+            </a:r>
+          </a:p>
+          <a:p>
+            <a:r>
+              <a:rPr lang="en-US" altLang="zh-TW" sz="2000" b="1" dirty="0" smtClean="0"/>
+              <a:t>R(43)G(43)B(43)</a:t>
+            </a:r>
+          </a:p>
+          <a:p>
+            <a:r>
+              <a:rPr lang="en-US" altLang="zh-TW" sz="2000" b="1" dirty="0" smtClean="0"/>
+              <a:t>R(80)G(80)B(80)</a:t>
+            </a:r>
+            <a:endParaRPr lang="en-US" altLang="zh-TW" sz="2000" b="1" dirty="0" smtClean="0"/>
+          </a:p>
+        </p:txBody>
+      </p:sp>
+      <p:sp>
+        <p:nvSpPr>
+          <p:cNvPr id="9" name="文字方塊 8"/>
+          <p:cNvSpPr txBox="1"/>
+          <p:nvPr/>
+        </p:nvSpPr>
+        <p:spPr>
+          <a:xfrm>
+            <a:off x="6572264" y="3286124"/>
+            <a:ext cx="2428860" cy="923330"/>
+          </a:xfrm>
+          <a:prstGeom prst="rect">
+            <a:avLst/>
+          </a:prstGeom>
+          <a:noFill/>
+        </p:spPr>
+        <p:txBody>
+          <a:bodyPr wrap="square" rtlCol="0">
+            <a:spAutoFit/>
+          </a:bodyPr>
+          <a:lstStyle/>
+          <a:p>
+            <a:r>
+              <a:rPr lang="en-US" altLang="zh-TW" b="1" dirty="0" smtClean="0"/>
+              <a:t>R(255)G(255)B(255)</a:t>
+            </a:r>
+          </a:p>
+          <a:p>
+            <a:r>
+              <a:rPr lang="en-US" altLang="zh-TW" b="1" dirty="0" smtClean="0"/>
+              <a:t>R(199)G(151)B(69)</a:t>
+            </a:r>
+          </a:p>
+          <a:p>
+            <a:r>
+              <a:rPr lang="en-US" altLang="zh-TW" b="1" dirty="0" smtClean="0"/>
+              <a:t>R(239)G(201)B(102)</a:t>
+            </a:r>
+            <a:endParaRPr lang="en-US" altLang="zh-TW" b="1" dirty="0" smtClean="0"/>
+          </a:p>
+        </p:txBody>
+      </p:sp>
+      <p:sp>
+        <p:nvSpPr>
+          <p:cNvPr id="10" name="文字方塊 9"/>
+          <p:cNvSpPr txBox="1"/>
+          <p:nvPr/>
+        </p:nvSpPr>
+        <p:spPr>
+          <a:xfrm>
+            <a:off x="1714480" y="5214950"/>
+            <a:ext cx="5715040" cy="830997"/>
+          </a:xfrm>
+          <a:prstGeom prst="rect">
+            <a:avLst/>
+          </a:prstGeom>
+          <a:noFill/>
+        </p:spPr>
+        <p:txBody>
+          <a:bodyPr wrap="square" rtlCol="0">
+            <a:spAutoFit/>
+          </a:bodyPr>
+          <a:lstStyle/>
+          <a:p>
+            <a:r>
+              <a:rPr lang="zh-TW" altLang="en-US" sz="2400" dirty="0" smtClean="0">
+                <a:latin typeface="+mj-ea"/>
+                <a:ea typeface="+mj-ea"/>
+              </a:rPr>
+              <a:t>黑色跟白色使文字一目了然</a:t>
+            </a:r>
+            <a:endParaRPr lang="en-US" altLang="zh-TW" sz="2400" dirty="0" smtClean="0">
+              <a:latin typeface="+mj-ea"/>
+              <a:ea typeface="+mj-ea"/>
+            </a:endParaRPr>
+          </a:p>
+          <a:p>
+            <a:r>
+              <a:rPr lang="zh-TW" altLang="en-US" sz="2400" dirty="0" smtClean="0">
+                <a:latin typeface="+mj-ea"/>
+                <a:ea typeface="+mj-ea"/>
+              </a:rPr>
+              <a:t>一些重點地方利用</a:t>
+            </a:r>
+            <a:r>
+              <a:rPr lang="en-US" altLang="zh-TW" sz="2400" dirty="0" smtClean="0">
+                <a:latin typeface="+mj-ea"/>
+                <a:ea typeface="+mj-ea"/>
+              </a:rPr>
+              <a:t>Icon</a:t>
+            </a:r>
+            <a:r>
+              <a:rPr lang="zh-TW" altLang="en-US" sz="2400" dirty="0" smtClean="0">
+                <a:latin typeface="+mj-ea"/>
+                <a:ea typeface="+mj-ea"/>
+              </a:rPr>
+              <a:t>中的顏色加強</a:t>
+            </a:r>
+            <a:endParaRPr lang="zh-TW" altLang="en-US" sz="2400" dirty="0">
+              <a:latin typeface="+mj-ea"/>
+              <a:ea typeface="+mj-ea"/>
+            </a:endParaRPr>
+          </a:p>
+        </p:txBody>
+      </p:sp>
     </p:spTree>
   </p:cSld>
   <p:clrMapOvr>
@@ -4077,7 +4340,7 @@
           <a:p>
             <a:r>
               <a:rPr lang="zh-TW" altLang="en-US" dirty="0" smtClean="0"/>
-              <a:t>幻燈片設定</a:t>
+              <a:t>如何製作圖片幻燈片</a:t>
             </a:r>
             <a:endParaRPr lang="zh-TW" altLang="en-US" dirty="0"/>
           </a:p>
@@ -4085,7 +4348,7 @@
       </p:sp>
       <p:pic>
         <p:nvPicPr>
-          <p:cNvPr id="4" name="內容版面配置區 3" descr="PPT4.jpg"/>
+          <p:cNvPr id="4" name="內容版面配置區 3" descr="PPT1.jpg"/>
           <p:cNvPicPr>
             <a:picLocks noGrp="1" noChangeAspect="1"/>
           </p:cNvPicPr>
@@ -4101,8 +4364,8 @@
         </p:blipFill>
         <p:spPr>
           <a:xfrm>
-            <a:off x="2357422" y="1495992"/>
-            <a:ext cx="4658415" cy="5076280"/>
+            <a:off x="314535" y="3071810"/>
+            <a:ext cx="8543745" cy="1485109"/>
           </a:xfrm>
         </p:spPr>
       </p:pic>
@@ -4147,12 +4410,8 @@
           <a:lstStyle/>
           <a:p>
             <a:r>
-              <a:rPr lang="en-US" altLang="zh-TW" dirty="0" smtClean="0"/>
-              <a:t>Icon</a:t>
-            </a:r>
-            <a:r>
               <a:rPr lang="zh-TW" altLang="en-US" dirty="0" smtClean="0"/>
-              <a:t>設定</a:t>
+              <a:t>幻燈片設定</a:t>
             </a:r>
             <a:endParaRPr lang="zh-TW" altLang="en-US" dirty="0"/>
           </a:p>
@@ -4160,7 +4419,7 @@
       </p:sp>
       <p:pic>
         <p:nvPicPr>
-          <p:cNvPr id="4" name="內容版面配置區 3" descr="PPT2.jpg"/>
+          <p:cNvPr id="4" name="內容版面配置區 3" descr="PPT4.jpg"/>
           <p:cNvPicPr>
             <a:picLocks noGrp="1" noChangeAspect="1"/>
           </p:cNvPicPr>
@@ -4170,40 +4429,15 @@
         </p:nvPicPr>
         <p:blipFill>
           <a:blip r:embed="rId2"/>
-          <a:srcRect l="6259" r="6363"/>
           <a:stretch>
             <a:fillRect/>
           </a:stretch>
         </p:blipFill>
         <p:spPr>
           <a:xfrm>
-            <a:off x="256453" y="4429132"/>
-            <a:ext cx="8601827" cy="1500198"/>
-          </a:xfrm>
-        </p:spPr>
-      </p:pic>
-      <p:pic>
-        <p:nvPicPr>
-          <p:cNvPr id="5" name="內容版面配置區 3" descr="PPT3.jpg"/>
-          <p:cNvPicPr>
-            <a:picLocks noChangeAspect="1"/>
-          </p:cNvPicPr>
-          <p:nvPr/>
-        </p:nvPicPr>
-        <p:blipFill>
-          <a:blip r:embed="rId3"/>
-          <a:stretch>
-            <a:fillRect/>
-          </a:stretch>
-        </p:blipFill>
-        <p:spPr>
-          <a:xfrm>
-            <a:off x="285720" y="1714488"/>
-            <a:ext cx="8529654" cy="2500330"/>
-          </a:xfrm>
-          <a:prstGeom prst="rect">
-            <a:avLst/>
-          </a:prstGeom>
+            <a:off x="2357422" y="1495992"/>
+            <a:ext cx="4658415" cy="5076280"/>
+          </a:xfrm>
         </p:spPr>
       </p:pic>
     </p:spTree>
@@ -4248,11 +4482,11 @@
           <a:p>
             <a:r>
               <a:rPr lang="en-US" altLang="zh-TW" dirty="0" smtClean="0"/>
-              <a:t>button</a:t>
+              <a:t>Icon</a:t>
             </a:r>
             <a:r>
               <a:rPr lang="zh-TW" altLang="en-US" dirty="0" smtClean="0"/>
-              <a:t>回饋</a:t>
+              <a:t>設定</a:t>
             </a:r>
             <a:endParaRPr lang="zh-TW" altLang="en-US" dirty="0"/>
           </a:p>
@@ -4260,9 +4494,9 @@
       </p:sp>
       <p:pic>
         <p:nvPicPr>
-          <p:cNvPr id="2050" name="Picture 2"/>
+          <p:cNvPr id="4" name="內容版面配置區 3" descr="PPT2.jpg"/>
           <p:cNvPicPr>
-            <a:picLocks noGrp="1" noChangeAspect="1" noChangeArrowheads="1"/>
+            <a:picLocks noGrp="1" noChangeAspect="1"/>
           </p:cNvPicPr>
           <p:nvPr>
             <p:ph idx="1"/>
@@ -4270,60 +4504,40 @@
         </p:nvPicPr>
         <p:blipFill>
           <a:blip r:embed="rId2"/>
-          <a:srcRect l="9201" t="14619" r="10937"/>
+          <a:srcRect l="6259" r="6363"/>
           <a:stretch>
             <a:fillRect/>
           </a:stretch>
         </p:blipFill>
-        <p:spPr bwMode="auto">
-          <a:xfrm>
-            <a:off x="2039677" y="1500174"/>
-            <a:ext cx="4889777" cy="2786082"/>
-          </a:xfrm>
-          <a:prstGeom prst="rect">
-            <a:avLst/>
-          </a:prstGeom>
-          <a:noFill/>
-          <a:ln w="9525">
-            <a:noFill/>
-            <a:miter lim="800000"/>
-            <a:headEnd/>
-            <a:tailEnd/>
-          </a:ln>
-          <a:effectLst/>
+        <p:spPr>
+          <a:xfrm>
+            <a:off x="256453" y="4429132"/>
+            <a:ext cx="8601827" cy="1500198"/>
+          </a:xfrm>
         </p:spPr>
       </p:pic>
       <p:pic>
         <p:nvPicPr>
-          <p:cNvPr id="2052" name="Picture 4"/>
+          <p:cNvPr id="5" name="內容版面配置區 3" descr="PPT3.jpg"/>
           <p:cNvPicPr>
-            <a:picLocks noChangeAspect="1" noChangeArrowheads="1"/>
+            <a:picLocks noChangeAspect="1"/>
           </p:cNvPicPr>
           <p:nvPr/>
         </p:nvPicPr>
         <p:blipFill>
           <a:blip r:embed="rId3"/>
-          <a:srcRect l="24618" t="39073" r="13155" b="41540"/>
           <a:stretch>
             <a:fillRect/>
           </a:stretch>
         </p:blipFill>
-        <p:spPr bwMode="auto">
-          <a:xfrm>
-            <a:off x="571472" y="4429132"/>
-            <a:ext cx="7789848" cy="1928826"/>
+        <p:spPr>
+          <a:xfrm>
+            <a:off x="285720" y="1714488"/>
+            <a:ext cx="8529654" cy="2500330"/>
           </a:xfrm>
           <a:prstGeom prst="rect">
             <a:avLst/>
           </a:prstGeom>
-          <a:noFill/>
-          <a:ln w="9525">
-            <a:noFill/>
-            <a:miter lim="800000"/>
-            <a:headEnd/>
-            <a:tailEnd/>
-          </a:ln>
-          <a:effectLst/>
         </p:spPr>
       </p:pic>
     </p:spTree>
@@ -4363,140 +4577,16 @@
         </p:nvSpPr>
         <p:spPr/>
         <p:txBody>
-          <a:bodyPr>
-            <a:normAutofit/>
-          </a:bodyPr>
+          <a:bodyPr/>
           <a:lstStyle/>
           <a:p>
             <a:r>
+              <a:rPr lang="en-US" altLang="zh-TW" dirty="0" smtClean="0"/>
+              <a:t>button</a:t>
+            </a:r>
+            <a:r>
               <a:rPr lang="zh-TW" altLang="en-US" dirty="0" smtClean="0"/>
-              <a:t>組員</a:t>
-            </a:r>
-            <a:r>
-              <a:rPr lang="zh-TW" altLang="en-US" dirty="0" smtClean="0"/>
-              <a:t>分工</a:t>
-            </a:r>
-            <a:endParaRPr lang="zh-TW" altLang="en-US" dirty="0"/>
-          </a:p>
-        </p:txBody>
-      </p:sp>
-      <p:sp>
-        <p:nvSpPr>
-          <p:cNvPr id="3" name="內容版面配置區 2"/>
-          <p:cNvSpPr>
-            <a:spLocks noGrp="1"/>
-          </p:cNvSpPr>
-          <p:nvPr>
-            <p:ph idx="1"/>
-          </p:nvPr>
-        </p:nvSpPr>
-        <p:spPr>
-          <a:xfrm>
-            <a:off x="457200" y="4000503"/>
-            <a:ext cx="8329642" cy="2172013"/>
-          </a:xfrm>
-        </p:spPr>
-        <p:txBody>
-          <a:bodyPr>
-            <a:normAutofit fontScale="92500" lnSpcReduction="10000"/>
-          </a:bodyPr>
-          <a:lstStyle/>
-          <a:p>
-            <a:r>
-              <a:rPr lang="zh-TW" altLang="en-US" dirty="0" smtClean="0"/>
-              <a:t>網頁撰寫 </a:t>
-            </a:r>
-            <a:r>
-              <a:rPr lang="en-US" altLang="zh-TW" dirty="0" smtClean="0"/>
-              <a:t>:</a:t>
-            </a:r>
-            <a:r>
-              <a:rPr lang="zh-TW" altLang="en-US" dirty="0" smtClean="0"/>
-              <a:t> 陳姵文</a:t>
-            </a:r>
-            <a:r>
-              <a:rPr lang="en-US" altLang="zh-TW" dirty="0" smtClean="0"/>
-              <a:t>(</a:t>
-            </a:r>
-            <a:r>
-              <a:rPr lang="zh-TW" altLang="en-US" dirty="0" smtClean="0"/>
-              <a:t>最新消息</a:t>
-            </a:r>
-            <a:r>
-              <a:rPr lang="zh-TW" altLang="en-US" dirty="0" smtClean="0"/>
-              <a:t>、</a:t>
-            </a:r>
-            <a:r>
-              <a:rPr lang="zh-TW" altLang="en-US" dirty="0" smtClean="0"/>
-              <a:t>首頁、意見箱</a:t>
-            </a:r>
-            <a:r>
-              <a:rPr lang="en-US" altLang="zh-TW" dirty="0" smtClean="0"/>
-              <a:t>)</a:t>
-            </a:r>
-            <a:r>
-              <a:rPr lang="zh-TW" altLang="en-US" dirty="0" smtClean="0"/>
-              <a:t>、吳樂佳</a:t>
-            </a:r>
-            <a:r>
-              <a:rPr lang="en-US" altLang="zh-TW" dirty="0" smtClean="0"/>
-              <a:t>(</a:t>
-            </a:r>
-            <a:r>
-              <a:rPr lang="zh-TW" altLang="en-US" dirty="0" smtClean="0"/>
-              <a:t>餐廳介紹</a:t>
-            </a:r>
-            <a:r>
-              <a:rPr lang="en-US" altLang="zh-TW" dirty="0" smtClean="0"/>
-              <a:t>)</a:t>
-            </a:r>
-          </a:p>
-          <a:p>
-            <a:r>
-              <a:rPr lang="zh-TW" altLang="en-US" dirty="0" smtClean="0"/>
-              <a:t>版面設計 </a:t>
-            </a:r>
-            <a:r>
-              <a:rPr lang="en-US" altLang="zh-TW" dirty="0" smtClean="0"/>
-              <a:t>:</a:t>
-            </a:r>
-            <a:r>
-              <a:rPr lang="zh-TW" altLang="en-US" dirty="0" smtClean="0"/>
-              <a:t> 林孜頤</a:t>
-            </a:r>
-            <a:endParaRPr lang="en-US" altLang="zh-TW" dirty="0" smtClean="0"/>
-          </a:p>
-          <a:p>
-            <a:r>
-              <a:rPr lang="en-US" altLang="zh-TW" dirty="0" smtClean="0"/>
-              <a:t>PPT</a:t>
-            </a:r>
-            <a:r>
-              <a:rPr lang="zh-TW" altLang="en-US" dirty="0" smtClean="0"/>
-              <a:t> </a:t>
-            </a:r>
-            <a:r>
-              <a:rPr lang="en-US" altLang="zh-TW" dirty="0" smtClean="0"/>
-              <a:t>:</a:t>
-            </a:r>
-            <a:r>
-              <a:rPr lang="zh-TW" altLang="en-US" dirty="0" smtClean="0"/>
-              <a:t> 林孜頤</a:t>
-            </a:r>
-            <a:endParaRPr lang="en-US" altLang="zh-TW" dirty="0" smtClean="0"/>
-          </a:p>
-          <a:p>
-            <a:r>
-              <a:rPr lang="zh-TW" altLang="en-US" dirty="0" smtClean="0"/>
-              <a:t>報告</a:t>
-            </a:r>
-            <a:r>
-              <a:rPr lang="en-US" altLang="zh-TW" dirty="0" smtClean="0"/>
-              <a:t>:</a:t>
-            </a:r>
-            <a:r>
-              <a:rPr lang="zh-TW" altLang="en-US" dirty="0" smtClean="0"/>
-              <a:t> 林孜頤、陳姵文</a:t>
+              <a:t>回饋</a:t>
             </a:r>
             <a:endParaRPr lang="zh-TW" altLang="en-US" dirty="0"/>
           </a:p>
@@ -4504,23 +4594,58 @@
       </p:sp>
       <p:pic>
         <p:nvPicPr>
-          <p:cNvPr id="1026" name="Picture 2"/>
+          <p:cNvPr id="2050" name="Picture 2"/>
+          <p:cNvPicPr>
+            <a:picLocks noGrp="1" noChangeAspect="1" noChangeArrowheads="1"/>
+          </p:cNvPicPr>
+          <p:nvPr>
+            <p:ph idx="1"/>
+          </p:nvPr>
+        </p:nvPicPr>
+        <p:blipFill>
+          <a:blip r:embed="rId2"/>
+          <a:srcRect l="9201" t="14619" r="10937"/>
+          <a:stretch>
+            <a:fillRect/>
+          </a:stretch>
+        </p:blipFill>
+        <p:spPr bwMode="auto">
+          <a:xfrm>
+            <a:off x="2039677" y="1500174"/>
+            <a:ext cx="4889777" cy="2786082"/>
+          </a:xfrm>
+          <a:prstGeom prst="rect">
+            <a:avLst/>
+          </a:prstGeom>
+          <a:noFill/>
+          <a:ln w="9525">
+            <a:noFill/>
+            <a:miter lim="800000"/>
+            <a:headEnd/>
+            <a:tailEnd/>
+          </a:ln>
+          <a:effectLst/>
+        </p:spPr>
+      </p:pic>
+      <p:pic>
+        <p:nvPicPr>
+          <p:cNvPr id="2052" name="Picture 4"/>
           <p:cNvPicPr>
             <a:picLocks noChangeAspect="1" noChangeArrowheads="1"/>
           </p:cNvPicPr>
           <p:nvPr/>
         </p:nvPicPr>
         <p:blipFill>
-          <a:blip r:embed="rId2"/>
-          <a:srcRect l="14824" t="18544" b="39217"/>
+          <a:blip r:embed="rId3"/>
+          <a:srcRect l="24618" t="39073" r="13155" b="41540"/>
           <a:stretch>
             <a:fillRect/>
           </a:stretch>
         </p:blipFill>
         <p:spPr bwMode="auto">
           <a:xfrm>
-            <a:off x="500034" y="1714488"/>
-            <a:ext cx="8143932" cy="2152361"/>
+            <a:off x="571472" y="4429132"/>
+            <a:ext cx="7789848" cy="1928826"/>
           </a:xfrm>
           <a:prstGeom prst="rect">
             <a:avLst/>
@@ -4562,34 +4687,176 @@
       </p:grpSpPr>
       <p:sp>
         <p:nvSpPr>
-          <p:cNvPr id="4" name="矩形 3"/>
-          <p:cNvSpPr/>
+          <p:cNvPr id="2" name="標題 1"/>
+          <p:cNvSpPr>
+            <a:spLocks noGrp="1"/>
+          </p:cNvSpPr>
+          <p:nvPr>
+            <p:ph type="title"/>
+          </p:nvPr>
+        </p:nvSpPr>
+        <p:spPr/>
+        <p:txBody>
+          <a:bodyPr>
+            <a:normAutofit/>
+          </a:bodyPr>
+          <a:lstStyle/>
+          <a:p>
+            <a:r>
+              <a:rPr lang="zh-TW" altLang="en-US" dirty="0" smtClean="0"/>
+              <a:t>組員分工</a:t>
+            </a:r>
+            <a:endParaRPr lang="zh-TW" altLang="en-US" dirty="0"/>
+          </a:p>
+        </p:txBody>
+      </p:sp>
+      <p:sp>
+        <p:nvSpPr>
+          <p:cNvPr id="3" name="內容版面配置區 2"/>
+          <p:cNvSpPr>
+            <a:spLocks noGrp="1"/>
+          </p:cNvSpPr>
+          <p:nvPr>
+            <p:ph idx="1"/>
+          </p:nvPr>
+        </p:nvSpPr>
+        <p:spPr>
+          <a:xfrm>
+            <a:off x="457200" y="4000503"/>
+            <a:ext cx="8329642" cy="2172013"/>
+          </a:xfrm>
+        </p:spPr>
+        <p:txBody>
+          <a:bodyPr>
+            <a:normAutofit fontScale="92500" lnSpcReduction="10000"/>
+          </a:bodyPr>
+          <a:lstStyle/>
+          <a:p>
+            <a:r>
+              <a:rPr lang="zh-TW" altLang="en-US" dirty="0" smtClean="0"/>
+              <a:t>網頁撰寫 </a:t>
+            </a:r>
+            <a:r>
+              <a:rPr lang="en-US" altLang="zh-TW" dirty="0" smtClean="0"/>
+              <a:t>:</a:t>
+            </a:r>
+            <a:r>
+              <a:rPr lang="zh-TW" altLang="en-US" dirty="0" smtClean="0"/>
+              <a:t> 陳姵文</a:t>
+            </a:r>
+            <a:r>
+              <a:rPr lang="en-US" altLang="zh-TW" dirty="0" smtClean="0"/>
+              <a:t>(</a:t>
+            </a:r>
+            <a:r>
+              <a:rPr lang="zh-TW" altLang="en-US" dirty="0" smtClean="0"/>
+              <a:t>最新消息、首頁、意見箱</a:t>
+            </a:r>
+            <a:r>
+              <a:rPr lang="en-US" altLang="zh-TW" dirty="0" smtClean="0"/>
+              <a:t>)</a:t>
+            </a:r>
+            <a:r>
+              <a:rPr lang="zh-TW" altLang="en-US" dirty="0" smtClean="0"/>
+              <a:t>、吳樂佳</a:t>
+            </a:r>
+            <a:r>
+              <a:rPr lang="en-US" altLang="zh-TW" dirty="0" smtClean="0"/>
+              <a:t>(</a:t>
+            </a:r>
+            <a:r>
+              <a:rPr lang="zh-TW" altLang="en-US" dirty="0" smtClean="0"/>
+              <a:t>餐廳介紹</a:t>
+            </a:r>
+            <a:r>
+              <a:rPr lang="en-US" altLang="zh-TW" dirty="0" smtClean="0"/>
+              <a:t>)</a:t>
+            </a:r>
+          </a:p>
+          <a:p>
+            <a:r>
+              <a:rPr lang="zh-TW" altLang="en-US" dirty="0" smtClean="0"/>
+              <a:t>版面設計 </a:t>
+            </a:r>
+            <a:r>
+              <a:rPr lang="en-US" altLang="zh-TW" dirty="0" smtClean="0"/>
+              <a:t>:</a:t>
+            </a:r>
+            <a:r>
+              <a:rPr lang="zh-TW" altLang="en-US" dirty="0" smtClean="0"/>
+              <a:t> 林孜頤</a:t>
+            </a:r>
+            <a:endParaRPr lang="en-US" altLang="zh-TW" dirty="0" smtClean="0"/>
+          </a:p>
+          <a:p>
+            <a:r>
+              <a:rPr lang="en-US" altLang="zh-TW" dirty="0" smtClean="0"/>
+              <a:t>PPT</a:t>
+            </a:r>
+            <a:r>
+              <a:rPr lang="zh-TW" altLang="en-US" dirty="0" smtClean="0"/>
+              <a:t> </a:t>
+            </a:r>
+            <a:r>
+              <a:rPr lang="en-US" altLang="zh-TW" dirty="0" smtClean="0"/>
+              <a:t>:</a:t>
+            </a:r>
+            <a:r>
+              <a:rPr lang="zh-TW" altLang="en-US" dirty="0" smtClean="0"/>
+              <a:t> 林孜頤</a:t>
+            </a:r>
+            <a:endParaRPr lang="en-US" altLang="zh-TW" dirty="0" smtClean="0"/>
+          </a:p>
+          <a:p>
+            <a:r>
+              <a:rPr lang="zh-TW" altLang="en-US" dirty="0" smtClean="0"/>
+              <a:t>報告</a:t>
+            </a:r>
+            <a:r>
+              <a:rPr lang="en-US" altLang="zh-TW" dirty="0" smtClean="0"/>
+              <a:t>:</a:t>
+            </a:r>
+            <a:r>
+              <a:rPr lang="zh-TW" altLang="en-US" dirty="0" smtClean="0"/>
+              <a:t> 林孜頤、陳姵文</a:t>
+            </a:r>
+            <a:endParaRPr lang="zh-TW" altLang="en-US" dirty="0"/>
+          </a:p>
+        </p:txBody>
+      </p:sp>
+      <p:pic>
+        <p:nvPicPr>
+          <p:cNvPr id="1026" name="Picture 2"/>
+          <p:cNvPicPr>
+            <a:picLocks noChangeAspect="1" noChangeArrowheads="1"/>
+          </p:cNvPicPr>
           <p:nvPr/>
-        </p:nvSpPr>
-        <p:spPr>
-          <a:xfrm>
-            <a:off x="500034" y="3286124"/>
-            <a:ext cx="8234370" cy="830997"/>
+        </p:nvPicPr>
+        <p:blipFill>
+          <a:blip r:embed="rId2"/>
+          <a:srcRect l="14824" t="18544" b="39217"/>
+          <a:stretch>
+            <a:fillRect/>
+          </a:stretch>
+        </p:blipFill>
+        <p:spPr bwMode="auto">
+          <a:xfrm>
+            <a:off x="500034" y="1714488"/>
+            <a:ext cx="8143932" cy="2152361"/>
           </a:xfrm>
           <a:prstGeom prst="rect">
             <a:avLst/>
           </a:prstGeom>
           <a:noFill/>
-        </p:spPr>
-        <p:txBody>
-          <a:bodyPr wrap="none" lIns="91440" tIns="45720" rIns="91440" bIns="45720">
-            <a:spAutoFit/>
-          </a:bodyPr>
-          <a:lstStyle/>
-          <a:p>
-            <a:r>
-              <a:rPr lang="en-US" altLang="zh-TW" sz="4800" dirty="0" smtClean="0"/>
-              <a:t>Thank you for your listening</a:t>
-            </a:r>
-            <a:endParaRPr lang="zh-TW" altLang="en-US" sz="4800" dirty="0"/>
-          </a:p>
-        </p:txBody>
-      </p:sp>
+          <a:ln w="9525">
+            <a:noFill/>
+            <a:miter lim="800000"/>
+            <a:headEnd/>
+            <a:tailEnd/>
+          </a:ln>
+          <a:effectLst/>
+        </p:spPr>
+      </p:pic>
     </p:spTree>
   </p:cSld>
   <p:clrMapOvr>
